--- a/ppt 16-9/0574.如何报主恩.pptx
+++ b/ppt 16-9/0574.如何报主恩.pptx
@@ -5,7 +5,7 @@
     <p:sldMasterId id="2147483648" r:id="rId1"/>
   </p:sldMasterIdLst>
   <p:sldIdLst>
-    <p:sldId id="2335" r:id="rId2"/>
+    <p:sldId id="2339" r:id="rId2"/>
   </p:sldIdLst>
   <p:sldSz cx="12192000" cy="6858000"/>
   <p:notesSz cx="6858000" cy="9144000"/>
@@ -129,7 +129,7 @@
           <p:cNvPr id="2" name="标题 1">
             <a:extLst>
               <a:ext uri="{FF2B5EF4-FFF2-40B4-BE49-F238E27FC236}">
-                <a16:creationId xmlns:a16="http://schemas.microsoft.com/office/drawing/2014/main" id="{93076029-14EA-C59A-D41E-059F836F93CC}"/>
+                <a16:creationId xmlns:a16="http://schemas.microsoft.com/office/drawing/2014/main" id="{7AFFF5E7-D194-4ACC-B4EF-D604657FD42A}"/>
               </a:ext>
             </a:extLst>
           </p:cNvPr>
@@ -166,7 +166,7 @@
           <p:cNvPr id="3" name="副标题 2">
             <a:extLst>
               <a:ext uri="{FF2B5EF4-FFF2-40B4-BE49-F238E27FC236}">
-                <a16:creationId xmlns:a16="http://schemas.microsoft.com/office/drawing/2014/main" id="{B1AB5CE7-E034-8719-1CD3-F5E7B01060DC}"/>
+                <a16:creationId xmlns:a16="http://schemas.microsoft.com/office/drawing/2014/main" id="{DB460288-F039-101B-FCBD-9592AF1C4FDC}"/>
               </a:ext>
             </a:extLst>
           </p:cNvPr>
@@ -236,7 +236,7 @@
           <p:cNvPr id="4" name="日期占位符 3">
             <a:extLst>
               <a:ext uri="{FF2B5EF4-FFF2-40B4-BE49-F238E27FC236}">
-                <a16:creationId xmlns:a16="http://schemas.microsoft.com/office/drawing/2014/main" id="{79ED432A-1D44-0C54-9965-E58547B69C39}"/>
+                <a16:creationId xmlns:a16="http://schemas.microsoft.com/office/drawing/2014/main" id="{8E0E966D-D966-42DA-B6FD-072B9148AB2C}"/>
               </a:ext>
             </a:extLst>
           </p:cNvPr>
@@ -252,7 +252,7 @@
           <a:bodyPr/>
           <a:lstStyle/>
           <a:p>
-            <a:fld id="{52A2A4E7-8071-4A2C-83C9-C0511E8EE86E}" type="datetimeFigureOut">
+            <a:fld id="{A370057D-9398-46B6-AD52-2ADB8A33E853}" type="datetimeFigureOut">
               <a:rPr lang="zh-CN" altLang="en-US" smtClean="0"/>
               <a:t>2024/3/10</a:t>
             </a:fld>
@@ -265,7 +265,7 @@
           <p:cNvPr id="5" name="页脚占位符 4">
             <a:extLst>
               <a:ext uri="{FF2B5EF4-FFF2-40B4-BE49-F238E27FC236}">
-                <a16:creationId xmlns:a16="http://schemas.microsoft.com/office/drawing/2014/main" id="{B6C86BDC-B7F8-FF7D-9460-F2CBFADDB85C}"/>
+                <a16:creationId xmlns:a16="http://schemas.microsoft.com/office/drawing/2014/main" id="{0D80098F-8FB4-C820-D64D-3EC796D20430}"/>
               </a:ext>
             </a:extLst>
           </p:cNvPr>
@@ -290,7 +290,7 @@
           <p:cNvPr id="6" name="灯片编号占位符 5">
             <a:extLst>
               <a:ext uri="{FF2B5EF4-FFF2-40B4-BE49-F238E27FC236}">
-                <a16:creationId xmlns:a16="http://schemas.microsoft.com/office/drawing/2014/main" id="{02698D2B-CE1A-EFAC-0E7A-4579781FA088}"/>
+                <a16:creationId xmlns:a16="http://schemas.microsoft.com/office/drawing/2014/main" id="{B76A2BC7-E40E-9B48-67DE-FE6438ED4707}"/>
               </a:ext>
             </a:extLst>
           </p:cNvPr>
@@ -306,7 +306,7 @@
           <a:bodyPr/>
           <a:lstStyle/>
           <a:p>
-            <a:fld id="{DF38496F-BA55-405B-A924-3450160D66DF}" type="slidenum">
+            <a:fld id="{00CECE2A-A40A-4F64-850F-9C6FFA376543}" type="slidenum">
               <a:rPr lang="zh-CN" altLang="en-US" smtClean="0"/>
               <a:t>‹#›</a:t>
             </a:fld>
@@ -317,7 +317,7 @@
     </p:spTree>
     <p:extLst>
       <p:ext uri="{BB962C8B-B14F-4D97-AF65-F5344CB8AC3E}">
-        <p14:creationId xmlns:p14="http://schemas.microsoft.com/office/powerpoint/2010/main" val="1468903959"/>
+        <p14:creationId xmlns:p14="http://schemas.microsoft.com/office/powerpoint/2010/main" val="390786750"/>
       </p:ext>
     </p:extLst>
   </p:cSld>
@@ -349,7 +349,7 @@
           <p:cNvPr id="2" name="标题 1">
             <a:extLst>
               <a:ext uri="{FF2B5EF4-FFF2-40B4-BE49-F238E27FC236}">
-                <a16:creationId xmlns:a16="http://schemas.microsoft.com/office/drawing/2014/main" id="{EC4B12F4-BAC4-776C-4DF4-A017D54D716D}"/>
+                <a16:creationId xmlns:a16="http://schemas.microsoft.com/office/drawing/2014/main" id="{341B2F8F-3174-6216-AFEA-8191B8305123}"/>
               </a:ext>
             </a:extLst>
           </p:cNvPr>
@@ -377,7 +377,7 @@
           <p:cNvPr id="3" name="竖排文字占位符 2">
             <a:extLst>
               <a:ext uri="{FF2B5EF4-FFF2-40B4-BE49-F238E27FC236}">
-                <a16:creationId xmlns:a16="http://schemas.microsoft.com/office/drawing/2014/main" id="{EDC7E68B-7835-ECF2-712F-056E4BD53C12}"/>
+                <a16:creationId xmlns:a16="http://schemas.microsoft.com/office/drawing/2014/main" id="{0F0F7A65-20CD-C8D7-D118-03F28E2DE3C1}"/>
               </a:ext>
             </a:extLst>
           </p:cNvPr>
@@ -434,7 +434,7 @@
           <p:cNvPr id="4" name="日期占位符 3">
             <a:extLst>
               <a:ext uri="{FF2B5EF4-FFF2-40B4-BE49-F238E27FC236}">
-                <a16:creationId xmlns:a16="http://schemas.microsoft.com/office/drawing/2014/main" id="{C0DEBD8E-9617-15E6-D8F4-BB59892014D3}"/>
+                <a16:creationId xmlns:a16="http://schemas.microsoft.com/office/drawing/2014/main" id="{C1088AF6-D3B7-9D54-8E9C-0F53B0F2EFDF}"/>
               </a:ext>
             </a:extLst>
           </p:cNvPr>
@@ -450,7 +450,7 @@
           <a:bodyPr/>
           <a:lstStyle/>
           <a:p>
-            <a:fld id="{52A2A4E7-8071-4A2C-83C9-C0511E8EE86E}" type="datetimeFigureOut">
+            <a:fld id="{A370057D-9398-46B6-AD52-2ADB8A33E853}" type="datetimeFigureOut">
               <a:rPr lang="zh-CN" altLang="en-US" smtClean="0"/>
               <a:t>2024/3/10</a:t>
             </a:fld>
@@ -463,7 +463,7 @@
           <p:cNvPr id="5" name="页脚占位符 4">
             <a:extLst>
               <a:ext uri="{FF2B5EF4-FFF2-40B4-BE49-F238E27FC236}">
-                <a16:creationId xmlns:a16="http://schemas.microsoft.com/office/drawing/2014/main" id="{BF0D5435-29ED-128B-BC60-65B6E31E8455}"/>
+                <a16:creationId xmlns:a16="http://schemas.microsoft.com/office/drawing/2014/main" id="{1BDF7400-13B8-56A7-2C38-86121B242B3F}"/>
               </a:ext>
             </a:extLst>
           </p:cNvPr>
@@ -488,7 +488,7 @@
           <p:cNvPr id="6" name="灯片编号占位符 5">
             <a:extLst>
               <a:ext uri="{FF2B5EF4-FFF2-40B4-BE49-F238E27FC236}">
-                <a16:creationId xmlns:a16="http://schemas.microsoft.com/office/drawing/2014/main" id="{B77CC29D-4D80-4C7E-719B-1E12EDB951C7}"/>
+                <a16:creationId xmlns:a16="http://schemas.microsoft.com/office/drawing/2014/main" id="{902A3C0C-D4CB-4C13-8785-A297B4D98FA7}"/>
               </a:ext>
             </a:extLst>
           </p:cNvPr>
@@ -504,7 +504,7 @@
           <a:bodyPr/>
           <a:lstStyle/>
           <a:p>
-            <a:fld id="{DF38496F-BA55-405B-A924-3450160D66DF}" type="slidenum">
+            <a:fld id="{00CECE2A-A40A-4F64-850F-9C6FFA376543}" type="slidenum">
               <a:rPr lang="zh-CN" altLang="en-US" smtClean="0"/>
               <a:t>‹#›</a:t>
             </a:fld>
@@ -515,7 +515,7 @@
     </p:spTree>
     <p:extLst>
       <p:ext uri="{BB962C8B-B14F-4D97-AF65-F5344CB8AC3E}">
-        <p14:creationId xmlns:p14="http://schemas.microsoft.com/office/powerpoint/2010/main" val="1583167412"/>
+        <p14:creationId xmlns:p14="http://schemas.microsoft.com/office/powerpoint/2010/main" val="333626588"/>
       </p:ext>
     </p:extLst>
   </p:cSld>
@@ -547,7 +547,7 @@
           <p:cNvPr id="2" name="竖排标题 1">
             <a:extLst>
               <a:ext uri="{FF2B5EF4-FFF2-40B4-BE49-F238E27FC236}">
-                <a16:creationId xmlns:a16="http://schemas.microsoft.com/office/drawing/2014/main" id="{657D5105-35FF-057C-5DBD-2AA9B836CED9}"/>
+                <a16:creationId xmlns:a16="http://schemas.microsoft.com/office/drawing/2014/main" id="{3927E7AD-0BB0-E2F3-7193-4B0509DE6E78}"/>
               </a:ext>
             </a:extLst>
           </p:cNvPr>
@@ -580,7 +580,7 @@
           <p:cNvPr id="3" name="竖排文字占位符 2">
             <a:extLst>
               <a:ext uri="{FF2B5EF4-FFF2-40B4-BE49-F238E27FC236}">
-                <a16:creationId xmlns:a16="http://schemas.microsoft.com/office/drawing/2014/main" id="{2A3CFD30-43BE-E188-046E-91D62F2668E3}"/>
+                <a16:creationId xmlns:a16="http://schemas.microsoft.com/office/drawing/2014/main" id="{67156C7A-6452-2A72-5B67-4F2B03F0E385}"/>
               </a:ext>
             </a:extLst>
           </p:cNvPr>
@@ -642,7 +642,7 @@
           <p:cNvPr id="4" name="日期占位符 3">
             <a:extLst>
               <a:ext uri="{FF2B5EF4-FFF2-40B4-BE49-F238E27FC236}">
-                <a16:creationId xmlns:a16="http://schemas.microsoft.com/office/drawing/2014/main" id="{D6B4442E-1D3E-0F87-916B-B53FCC13A0B0}"/>
+                <a16:creationId xmlns:a16="http://schemas.microsoft.com/office/drawing/2014/main" id="{F90B816D-2807-C4F9-1203-07CBE177FFEF}"/>
               </a:ext>
             </a:extLst>
           </p:cNvPr>
@@ -658,7 +658,7 @@
           <a:bodyPr/>
           <a:lstStyle/>
           <a:p>
-            <a:fld id="{52A2A4E7-8071-4A2C-83C9-C0511E8EE86E}" type="datetimeFigureOut">
+            <a:fld id="{A370057D-9398-46B6-AD52-2ADB8A33E853}" type="datetimeFigureOut">
               <a:rPr lang="zh-CN" altLang="en-US" smtClean="0"/>
               <a:t>2024/3/10</a:t>
             </a:fld>
@@ -671,7 +671,7 @@
           <p:cNvPr id="5" name="页脚占位符 4">
             <a:extLst>
               <a:ext uri="{FF2B5EF4-FFF2-40B4-BE49-F238E27FC236}">
-                <a16:creationId xmlns:a16="http://schemas.microsoft.com/office/drawing/2014/main" id="{1EBDDB52-8115-2865-2A21-4750EC47800A}"/>
+                <a16:creationId xmlns:a16="http://schemas.microsoft.com/office/drawing/2014/main" id="{F507D3B0-21F7-CB81-A25B-60E0729F3684}"/>
               </a:ext>
             </a:extLst>
           </p:cNvPr>
@@ -696,7 +696,7 @@
           <p:cNvPr id="6" name="灯片编号占位符 5">
             <a:extLst>
               <a:ext uri="{FF2B5EF4-FFF2-40B4-BE49-F238E27FC236}">
-                <a16:creationId xmlns:a16="http://schemas.microsoft.com/office/drawing/2014/main" id="{3AAD1A42-5546-CCBF-10F2-2B2321BC8A78}"/>
+                <a16:creationId xmlns:a16="http://schemas.microsoft.com/office/drawing/2014/main" id="{2A9B1EDA-2FDC-90B3-A9BD-A23A74BFDB80}"/>
               </a:ext>
             </a:extLst>
           </p:cNvPr>
@@ -712,7 +712,7 @@
           <a:bodyPr/>
           <a:lstStyle/>
           <a:p>
-            <a:fld id="{DF38496F-BA55-405B-A924-3450160D66DF}" type="slidenum">
+            <a:fld id="{00CECE2A-A40A-4F64-850F-9C6FFA376543}" type="slidenum">
               <a:rPr lang="zh-CN" altLang="en-US" smtClean="0"/>
               <a:t>‹#›</a:t>
             </a:fld>
@@ -723,7 +723,7 @@
     </p:spTree>
     <p:extLst>
       <p:ext uri="{BB962C8B-B14F-4D97-AF65-F5344CB8AC3E}">
-        <p14:creationId xmlns:p14="http://schemas.microsoft.com/office/powerpoint/2010/main" val="1911358729"/>
+        <p14:creationId xmlns:p14="http://schemas.microsoft.com/office/powerpoint/2010/main" val="4151747584"/>
       </p:ext>
     </p:extLst>
   </p:cSld>
@@ -755,7 +755,7 @@
           <p:cNvPr id="2" name="标题 1">
             <a:extLst>
               <a:ext uri="{FF2B5EF4-FFF2-40B4-BE49-F238E27FC236}">
-                <a16:creationId xmlns:a16="http://schemas.microsoft.com/office/drawing/2014/main" id="{3F384E9A-826B-AE43-327B-F2CE20C9BB02}"/>
+                <a16:creationId xmlns:a16="http://schemas.microsoft.com/office/drawing/2014/main" id="{07C9DAC4-E0A5-FB4B-C10A-D5BCE718FE06}"/>
               </a:ext>
             </a:extLst>
           </p:cNvPr>
@@ -783,7 +783,7 @@
           <p:cNvPr id="3" name="内容占位符 2">
             <a:extLst>
               <a:ext uri="{FF2B5EF4-FFF2-40B4-BE49-F238E27FC236}">
-                <a16:creationId xmlns:a16="http://schemas.microsoft.com/office/drawing/2014/main" id="{87167D7A-6128-BC28-86E6-7D939C00B7FA}"/>
+                <a16:creationId xmlns:a16="http://schemas.microsoft.com/office/drawing/2014/main" id="{6A275FA5-C1FC-5CD2-8CC7-0E04CB4F8AAD}"/>
               </a:ext>
             </a:extLst>
           </p:cNvPr>
@@ -840,7 +840,7 @@
           <p:cNvPr id="4" name="日期占位符 3">
             <a:extLst>
               <a:ext uri="{FF2B5EF4-FFF2-40B4-BE49-F238E27FC236}">
-                <a16:creationId xmlns:a16="http://schemas.microsoft.com/office/drawing/2014/main" id="{F82855EB-2BC0-7FB6-D9B3-BC5DBB5F3AC0}"/>
+                <a16:creationId xmlns:a16="http://schemas.microsoft.com/office/drawing/2014/main" id="{3912DDEB-A528-7C1B-3955-4E0A4E0D5CDC}"/>
               </a:ext>
             </a:extLst>
           </p:cNvPr>
@@ -856,7 +856,7 @@
           <a:bodyPr/>
           <a:lstStyle/>
           <a:p>
-            <a:fld id="{52A2A4E7-8071-4A2C-83C9-C0511E8EE86E}" type="datetimeFigureOut">
+            <a:fld id="{A370057D-9398-46B6-AD52-2ADB8A33E853}" type="datetimeFigureOut">
               <a:rPr lang="zh-CN" altLang="en-US" smtClean="0"/>
               <a:t>2024/3/10</a:t>
             </a:fld>
@@ -869,7 +869,7 @@
           <p:cNvPr id="5" name="页脚占位符 4">
             <a:extLst>
               <a:ext uri="{FF2B5EF4-FFF2-40B4-BE49-F238E27FC236}">
-                <a16:creationId xmlns:a16="http://schemas.microsoft.com/office/drawing/2014/main" id="{7642386B-EB25-8329-3302-72BAB7E70B61}"/>
+                <a16:creationId xmlns:a16="http://schemas.microsoft.com/office/drawing/2014/main" id="{979662D5-1A84-4609-F9E1-A81B02F33CB7}"/>
               </a:ext>
             </a:extLst>
           </p:cNvPr>
@@ -894,7 +894,7 @@
           <p:cNvPr id="6" name="灯片编号占位符 5">
             <a:extLst>
               <a:ext uri="{FF2B5EF4-FFF2-40B4-BE49-F238E27FC236}">
-                <a16:creationId xmlns:a16="http://schemas.microsoft.com/office/drawing/2014/main" id="{B82304C7-23DD-D3F7-6CC4-39A222F717AD}"/>
+                <a16:creationId xmlns:a16="http://schemas.microsoft.com/office/drawing/2014/main" id="{6C25FC29-D7D0-DE4C-CB77-FAAB5FB89D99}"/>
               </a:ext>
             </a:extLst>
           </p:cNvPr>
@@ -910,7 +910,7 @@
           <a:bodyPr/>
           <a:lstStyle/>
           <a:p>
-            <a:fld id="{DF38496F-BA55-405B-A924-3450160D66DF}" type="slidenum">
+            <a:fld id="{00CECE2A-A40A-4F64-850F-9C6FFA376543}" type="slidenum">
               <a:rPr lang="zh-CN" altLang="en-US" smtClean="0"/>
               <a:t>‹#›</a:t>
             </a:fld>
@@ -921,7 +921,7 @@
     </p:spTree>
     <p:extLst>
       <p:ext uri="{BB962C8B-B14F-4D97-AF65-F5344CB8AC3E}">
-        <p14:creationId xmlns:p14="http://schemas.microsoft.com/office/powerpoint/2010/main" val="273316198"/>
+        <p14:creationId xmlns:p14="http://schemas.microsoft.com/office/powerpoint/2010/main" val="3975116833"/>
       </p:ext>
     </p:extLst>
   </p:cSld>
@@ -953,7 +953,7 @@
           <p:cNvPr id="2" name="标题 1">
             <a:extLst>
               <a:ext uri="{FF2B5EF4-FFF2-40B4-BE49-F238E27FC236}">
-                <a16:creationId xmlns:a16="http://schemas.microsoft.com/office/drawing/2014/main" id="{A77AAB50-F4AD-148A-05B8-5D056CE61BFB}"/>
+                <a16:creationId xmlns:a16="http://schemas.microsoft.com/office/drawing/2014/main" id="{7E48F982-B2A5-BA82-7256-B11FB0F940B3}"/>
               </a:ext>
             </a:extLst>
           </p:cNvPr>
@@ -990,7 +990,7 @@
           <p:cNvPr id="3" name="文本占位符 2">
             <a:extLst>
               <a:ext uri="{FF2B5EF4-FFF2-40B4-BE49-F238E27FC236}">
-                <a16:creationId xmlns:a16="http://schemas.microsoft.com/office/drawing/2014/main" id="{C8EFEAD4-4C72-D2A9-86D0-9D9F6B988F71}"/>
+                <a16:creationId xmlns:a16="http://schemas.microsoft.com/office/drawing/2014/main" id="{381D7091-D613-4A63-C3F2-F20B39B8363E}"/>
               </a:ext>
             </a:extLst>
           </p:cNvPr>
@@ -1115,7 +1115,7 @@
           <p:cNvPr id="4" name="日期占位符 3">
             <a:extLst>
               <a:ext uri="{FF2B5EF4-FFF2-40B4-BE49-F238E27FC236}">
-                <a16:creationId xmlns:a16="http://schemas.microsoft.com/office/drawing/2014/main" id="{E9BC4FCD-04DE-AE55-7E3C-F3AD4106F578}"/>
+                <a16:creationId xmlns:a16="http://schemas.microsoft.com/office/drawing/2014/main" id="{CF2196B3-DCBE-AD13-D9B6-45996C4924BC}"/>
               </a:ext>
             </a:extLst>
           </p:cNvPr>
@@ -1131,7 +1131,7 @@
           <a:bodyPr/>
           <a:lstStyle/>
           <a:p>
-            <a:fld id="{52A2A4E7-8071-4A2C-83C9-C0511E8EE86E}" type="datetimeFigureOut">
+            <a:fld id="{A370057D-9398-46B6-AD52-2ADB8A33E853}" type="datetimeFigureOut">
               <a:rPr lang="zh-CN" altLang="en-US" smtClean="0"/>
               <a:t>2024/3/10</a:t>
             </a:fld>
@@ -1144,7 +1144,7 @@
           <p:cNvPr id="5" name="页脚占位符 4">
             <a:extLst>
               <a:ext uri="{FF2B5EF4-FFF2-40B4-BE49-F238E27FC236}">
-                <a16:creationId xmlns:a16="http://schemas.microsoft.com/office/drawing/2014/main" id="{1A2F3685-1DAA-98B5-C4D0-90CCD18211FB}"/>
+                <a16:creationId xmlns:a16="http://schemas.microsoft.com/office/drawing/2014/main" id="{402DF761-C6AF-129B-43D5-BE22249B6F1D}"/>
               </a:ext>
             </a:extLst>
           </p:cNvPr>
@@ -1169,7 +1169,7 @@
           <p:cNvPr id="6" name="灯片编号占位符 5">
             <a:extLst>
               <a:ext uri="{FF2B5EF4-FFF2-40B4-BE49-F238E27FC236}">
-                <a16:creationId xmlns:a16="http://schemas.microsoft.com/office/drawing/2014/main" id="{D41ED9F2-1426-9669-EA52-EE27FE394276}"/>
+                <a16:creationId xmlns:a16="http://schemas.microsoft.com/office/drawing/2014/main" id="{49611AC4-9B21-E2DD-A2FC-50BF6D7310D1}"/>
               </a:ext>
             </a:extLst>
           </p:cNvPr>
@@ -1185,7 +1185,7 @@
           <a:bodyPr/>
           <a:lstStyle/>
           <a:p>
-            <a:fld id="{DF38496F-BA55-405B-A924-3450160D66DF}" type="slidenum">
+            <a:fld id="{00CECE2A-A40A-4F64-850F-9C6FFA376543}" type="slidenum">
               <a:rPr lang="zh-CN" altLang="en-US" smtClean="0"/>
               <a:t>‹#›</a:t>
             </a:fld>
@@ -1196,7 +1196,7 @@
     </p:spTree>
     <p:extLst>
       <p:ext uri="{BB962C8B-B14F-4D97-AF65-F5344CB8AC3E}">
-        <p14:creationId xmlns:p14="http://schemas.microsoft.com/office/powerpoint/2010/main" val="2934997751"/>
+        <p14:creationId xmlns:p14="http://schemas.microsoft.com/office/powerpoint/2010/main" val="1056890920"/>
       </p:ext>
     </p:extLst>
   </p:cSld>
@@ -1228,7 +1228,7 @@
           <p:cNvPr id="2" name="标题 1">
             <a:extLst>
               <a:ext uri="{FF2B5EF4-FFF2-40B4-BE49-F238E27FC236}">
-                <a16:creationId xmlns:a16="http://schemas.microsoft.com/office/drawing/2014/main" id="{DC623BAE-9976-1964-A081-EF3CDAE4151A}"/>
+                <a16:creationId xmlns:a16="http://schemas.microsoft.com/office/drawing/2014/main" id="{D4A0D9F0-A01D-21A0-A89E-0ECAF47E5127}"/>
               </a:ext>
             </a:extLst>
           </p:cNvPr>
@@ -1256,7 +1256,7 @@
           <p:cNvPr id="3" name="内容占位符 2">
             <a:extLst>
               <a:ext uri="{FF2B5EF4-FFF2-40B4-BE49-F238E27FC236}">
-                <a16:creationId xmlns:a16="http://schemas.microsoft.com/office/drawing/2014/main" id="{DDDA6C3A-7D78-89C2-5B6A-6A7DFFA78F90}"/>
+                <a16:creationId xmlns:a16="http://schemas.microsoft.com/office/drawing/2014/main" id="{B4D95A80-BF52-3401-3558-051C6C5AFFE4}"/>
               </a:ext>
             </a:extLst>
           </p:cNvPr>
@@ -1318,7 +1318,7 @@
           <p:cNvPr id="4" name="内容占位符 3">
             <a:extLst>
               <a:ext uri="{FF2B5EF4-FFF2-40B4-BE49-F238E27FC236}">
-                <a16:creationId xmlns:a16="http://schemas.microsoft.com/office/drawing/2014/main" id="{4FF2DF28-209E-0447-4DC0-96F2C5F5F163}"/>
+                <a16:creationId xmlns:a16="http://schemas.microsoft.com/office/drawing/2014/main" id="{94D61E89-E845-6ECB-D331-DC9F151FD47C}"/>
               </a:ext>
             </a:extLst>
           </p:cNvPr>
@@ -1380,7 +1380,7 @@
           <p:cNvPr id="5" name="日期占位符 4">
             <a:extLst>
               <a:ext uri="{FF2B5EF4-FFF2-40B4-BE49-F238E27FC236}">
-                <a16:creationId xmlns:a16="http://schemas.microsoft.com/office/drawing/2014/main" id="{A2D77567-02B7-E8B9-297A-25AF9674B45E}"/>
+                <a16:creationId xmlns:a16="http://schemas.microsoft.com/office/drawing/2014/main" id="{E3A9F169-77F3-73AA-3ABA-081BD95605ED}"/>
               </a:ext>
             </a:extLst>
           </p:cNvPr>
@@ -1396,7 +1396,7 @@
           <a:bodyPr/>
           <a:lstStyle/>
           <a:p>
-            <a:fld id="{52A2A4E7-8071-4A2C-83C9-C0511E8EE86E}" type="datetimeFigureOut">
+            <a:fld id="{A370057D-9398-46B6-AD52-2ADB8A33E853}" type="datetimeFigureOut">
               <a:rPr lang="zh-CN" altLang="en-US" smtClean="0"/>
               <a:t>2024/3/10</a:t>
             </a:fld>
@@ -1409,7 +1409,7 @@
           <p:cNvPr id="6" name="页脚占位符 5">
             <a:extLst>
               <a:ext uri="{FF2B5EF4-FFF2-40B4-BE49-F238E27FC236}">
-                <a16:creationId xmlns:a16="http://schemas.microsoft.com/office/drawing/2014/main" id="{AAFBF1F4-8BCF-072C-69CD-1A3488594DEA}"/>
+                <a16:creationId xmlns:a16="http://schemas.microsoft.com/office/drawing/2014/main" id="{6B00F0E8-6D8E-5E42-8B45-765B42EFB14B}"/>
               </a:ext>
             </a:extLst>
           </p:cNvPr>
@@ -1434,7 +1434,7 @@
           <p:cNvPr id="7" name="灯片编号占位符 6">
             <a:extLst>
               <a:ext uri="{FF2B5EF4-FFF2-40B4-BE49-F238E27FC236}">
-                <a16:creationId xmlns:a16="http://schemas.microsoft.com/office/drawing/2014/main" id="{55CE17C3-706E-E7EC-9FE3-BB2D5801F950}"/>
+                <a16:creationId xmlns:a16="http://schemas.microsoft.com/office/drawing/2014/main" id="{2BE9E76B-2C54-A94E-C559-91A289C9DE07}"/>
               </a:ext>
             </a:extLst>
           </p:cNvPr>
@@ -1450,7 +1450,7 @@
           <a:bodyPr/>
           <a:lstStyle/>
           <a:p>
-            <a:fld id="{DF38496F-BA55-405B-A924-3450160D66DF}" type="slidenum">
+            <a:fld id="{00CECE2A-A40A-4F64-850F-9C6FFA376543}" type="slidenum">
               <a:rPr lang="zh-CN" altLang="en-US" smtClean="0"/>
               <a:t>‹#›</a:t>
             </a:fld>
@@ -1461,7 +1461,7 @@
     </p:spTree>
     <p:extLst>
       <p:ext uri="{BB962C8B-B14F-4D97-AF65-F5344CB8AC3E}">
-        <p14:creationId xmlns:p14="http://schemas.microsoft.com/office/powerpoint/2010/main" val="2815001438"/>
+        <p14:creationId xmlns:p14="http://schemas.microsoft.com/office/powerpoint/2010/main" val="3494130160"/>
       </p:ext>
     </p:extLst>
   </p:cSld>
@@ -1493,7 +1493,7 @@
           <p:cNvPr id="2" name="标题 1">
             <a:extLst>
               <a:ext uri="{FF2B5EF4-FFF2-40B4-BE49-F238E27FC236}">
-                <a16:creationId xmlns:a16="http://schemas.microsoft.com/office/drawing/2014/main" id="{A1D7F225-9C68-C557-0F87-0ECE85DA799B}"/>
+                <a16:creationId xmlns:a16="http://schemas.microsoft.com/office/drawing/2014/main" id="{372F7A0A-36E5-3784-F143-E593F8AC413F}"/>
               </a:ext>
             </a:extLst>
           </p:cNvPr>
@@ -1526,7 +1526,7 @@
           <p:cNvPr id="3" name="文本占位符 2">
             <a:extLst>
               <a:ext uri="{FF2B5EF4-FFF2-40B4-BE49-F238E27FC236}">
-                <a16:creationId xmlns:a16="http://schemas.microsoft.com/office/drawing/2014/main" id="{23D29644-8BE5-DDA1-DB74-39EE61A239D0}"/>
+                <a16:creationId xmlns:a16="http://schemas.microsoft.com/office/drawing/2014/main" id="{34A06444-6121-6599-1009-88C655C00FAA}"/>
               </a:ext>
             </a:extLst>
           </p:cNvPr>
@@ -1597,7 +1597,7 @@
           <p:cNvPr id="4" name="内容占位符 3">
             <a:extLst>
               <a:ext uri="{FF2B5EF4-FFF2-40B4-BE49-F238E27FC236}">
-                <a16:creationId xmlns:a16="http://schemas.microsoft.com/office/drawing/2014/main" id="{22556554-F3CB-595E-2C99-75AAE1A3F469}"/>
+                <a16:creationId xmlns:a16="http://schemas.microsoft.com/office/drawing/2014/main" id="{630FCDF5-7613-8696-FA5D-0FA7A0F64B54}"/>
               </a:ext>
             </a:extLst>
           </p:cNvPr>
@@ -1659,7 +1659,7 @@
           <p:cNvPr id="5" name="文本占位符 4">
             <a:extLst>
               <a:ext uri="{FF2B5EF4-FFF2-40B4-BE49-F238E27FC236}">
-                <a16:creationId xmlns:a16="http://schemas.microsoft.com/office/drawing/2014/main" id="{1D73BCFF-225A-D780-0DA9-17EA80CC961F}"/>
+                <a16:creationId xmlns:a16="http://schemas.microsoft.com/office/drawing/2014/main" id="{66315DDE-62C6-B5BC-DD00-EEFA71A554D4}"/>
               </a:ext>
             </a:extLst>
           </p:cNvPr>
@@ -1730,7 +1730,7 @@
           <p:cNvPr id="6" name="内容占位符 5">
             <a:extLst>
               <a:ext uri="{FF2B5EF4-FFF2-40B4-BE49-F238E27FC236}">
-                <a16:creationId xmlns:a16="http://schemas.microsoft.com/office/drawing/2014/main" id="{03D9A709-6231-8517-1932-596A9CC9B3DF}"/>
+                <a16:creationId xmlns:a16="http://schemas.microsoft.com/office/drawing/2014/main" id="{FE563CC0-45BE-ED1A-118E-10E33DA42F1F}"/>
               </a:ext>
             </a:extLst>
           </p:cNvPr>
@@ -1792,7 +1792,7 @@
           <p:cNvPr id="7" name="日期占位符 6">
             <a:extLst>
               <a:ext uri="{FF2B5EF4-FFF2-40B4-BE49-F238E27FC236}">
-                <a16:creationId xmlns:a16="http://schemas.microsoft.com/office/drawing/2014/main" id="{CB17BCA5-181C-1964-99A6-8679CC7FC2FF}"/>
+                <a16:creationId xmlns:a16="http://schemas.microsoft.com/office/drawing/2014/main" id="{F2CE9B8F-480D-C9C5-946F-6BB72687C409}"/>
               </a:ext>
             </a:extLst>
           </p:cNvPr>
@@ -1808,7 +1808,7 @@
           <a:bodyPr/>
           <a:lstStyle/>
           <a:p>
-            <a:fld id="{52A2A4E7-8071-4A2C-83C9-C0511E8EE86E}" type="datetimeFigureOut">
+            <a:fld id="{A370057D-9398-46B6-AD52-2ADB8A33E853}" type="datetimeFigureOut">
               <a:rPr lang="zh-CN" altLang="en-US" smtClean="0"/>
               <a:t>2024/3/10</a:t>
             </a:fld>
@@ -1821,7 +1821,7 @@
           <p:cNvPr id="8" name="页脚占位符 7">
             <a:extLst>
               <a:ext uri="{FF2B5EF4-FFF2-40B4-BE49-F238E27FC236}">
-                <a16:creationId xmlns:a16="http://schemas.microsoft.com/office/drawing/2014/main" id="{4CF44B7E-7219-B21B-ACAC-45754F2FDFA2}"/>
+                <a16:creationId xmlns:a16="http://schemas.microsoft.com/office/drawing/2014/main" id="{844C9758-7D2B-7ECB-C5E1-90DE57E63CBE}"/>
               </a:ext>
             </a:extLst>
           </p:cNvPr>
@@ -1846,7 +1846,7 @@
           <p:cNvPr id="9" name="灯片编号占位符 8">
             <a:extLst>
               <a:ext uri="{FF2B5EF4-FFF2-40B4-BE49-F238E27FC236}">
-                <a16:creationId xmlns:a16="http://schemas.microsoft.com/office/drawing/2014/main" id="{06A68EB6-0EBD-4EDB-3226-5FF5DBD17993}"/>
+                <a16:creationId xmlns:a16="http://schemas.microsoft.com/office/drawing/2014/main" id="{2D508093-6AC4-DC5B-AD4D-CA01509BF765}"/>
               </a:ext>
             </a:extLst>
           </p:cNvPr>
@@ -1862,7 +1862,7 @@
           <a:bodyPr/>
           <a:lstStyle/>
           <a:p>
-            <a:fld id="{DF38496F-BA55-405B-A924-3450160D66DF}" type="slidenum">
+            <a:fld id="{00CECE2A-A40A-4F64-850F-9C6FFA376543}" type="slidenum">
               <a:rPr lang="zh-CN" altLang="en-US" smtClean="0"/>
               <a:t>‹#›</a:t>
             </a:fld>
@@ -1873,7 +1873,7 @@
     </p:spTree>
     <p:extLst>
       <p:ext uri="{BB962C8B-B14F-4D97-AF65-F5344CB8AC3E}">
-        <p14:creationId xmlns:p14="http://schemas.microsoft.com/office/powerpoint/2010/main" val="3246375033"/>
+        <p14:creationId xmlns:p14="http://schemas.microsoft.com/office/powerpoint/2010/main" val="3559270341"/>
       </p:ext>
     </p:extLst>
   </p:cSld>
@@ -1905,7 +1905,7 @@
           <p:cNvPr id="2" name="标题 1">
             <a:extLst>
               <a:ext uri="{FF2B5EF4-FFF2-40B4-BE49-F238E27FC236}">
-                <a16:creationId xmlns:a16="http://schemas.microsoft.com/office/drawing/2014/main" id="{A575FD9B-3C59-42A9-15C5-CEC1BC79AB86}"/>
+                <a16:creationId xmlns:a16="http://schemas.microsoft.com/office/drawing/2014/main" id="{5B22D4E8-C5AA-EC46-82B2-5EF021B2D8FB}"/>
               </a:ext>
             </a:extLst>
           </p:cNvPr>
@@ -1933,7 +1933,7 @@
           <p:cNvPr id="3" name="日期占位符 2">
             <a:extLst>
               <a:ext uri="{FF2B5EF4-FFF2-40B4-BE49-F238E27FC236}">
-                <a16:creationId xmlns:a16="http://schemas.microsoft.com/office/drawing/2014/main" id="{48B484E7-5AF0-5307-F934-3BAA593A63F8}"/>
+                <a16:creationId xmlns:a16="http://schemas.microsoft.com/office/drawing/2014/main" id="{DBB04A26-A62E-B24E-AA5A-3067B69C8597}"/>
               </a:ext>
             </a:extLst>
           </p:cNvPr>
@@ -1949,7 +1949,7 @@
           <a:bodyPr/>
           <a:lstStyle/>
           <a:p>
-            <a:fld id="{52A2A4E7-8071-4A2C-83C9-C0511E8EE86E}" type="datetimeFigureOut">
+            <a:fld id="{A370057D-9398-46B6-AD52-2ADB8A33E853}" type="datetimeFigureOut">
               <a:rPr lang="zh-CN" altLang="en-US" smtClean="0"/>
               <a:t>2024/3/10</a:t>
             </a:fld>
@@ -1962,7 +1962,7 @@
           <p:cNvPr id="4" name="页脚占位符 3">
             <a:extLst>
               <a:ext uri="{FF2B5EF4-FFF2-40B4-BE49-F238E27FC236}">
-                <a16:creationId xmlns:a16="http://schemas.microsoft.com/office/drawing/2014/main" id="{CD094D67-A485-77A4-BCCE-0586FF2B099C}"/>
+                <a16:creationId xmlns:a16="http://schemas.microsoft.com/office/drawing/2014/main" id="{CD95D31A-5E22-5944-1CFC-CEFCA46AD52A}"/>
               </a:ext>
             </a:extLst>
           </p:cNvPr>
@@ -1987,7 +1987,7 @@
           <p:cNvPr id="5" name="灯片编号占位符 4">
             <a:extLst>
               <a:ext uri="{FF2B5EF4-FFF2-40B4-BE49-F238E27FC236}">
-                <a16:creationId xmlns:a16="http://schemas.microsoft.com/office/drawing/2014/main" id="{031E9919-3E88-3054-0105-3A87D8E81606}"/>
+                <a16:creationId xmlns:a16="http://schemas.microsoft.com/office/drawing/2014/main" id="{6444EC42-17D7-4C9B-57EE-66BB07C64BC7}"/>
               </a:ext>
             </a:extLst>
           </p:cNvPr>
@@ -2003,7 +2003,7 @@
           <a:bodyPr/>
           <a:lstStyle/>
           <a:p>
-            <a:fld id="{DF38496F-BA55-405B-A924-3450160D66DF}" type="slidenum">
+            <a:fld id="{00CECE2A-A40A-4F64-850F-9C6FFA376543}" type="slidenum">
               <a:rPr lang="zh-CN" altLang="en-US" smtClean="0"/>
               <a:t>‹#›</a:t>
             </a:fld>
@@ -2014,7 +2014,7 @@
     </p:spTree>
     <p:extLst>
       <p:ext uri="{BB962C8B-B14F-4D97-AF65-F5344CB8AC3E}">
-        <p14:creationId xmlns:p14="http://schemas.microsoft.com/office/powerpoint/2010/main" val="2116776030"/>
+        <p14:creationId xmlns:p14="http://schemas.microsoft.com/office/powerpoint/2010/main" val="2156562835"/>
       </p:ext>
     </p:extLst>
   </p:cSld>
@@ -2046,7 +2046,7 @@
           <p:cNvPr id="2" name="日期占位符 1">
             <a:extLst>
               <a:ext uri="{FF2B5EF4-FFF2-40B4-BE49-F238E27FC236}">
-                <a16:creationId xmlns:a16="http://schemas.microsoft.com/office/drawing/2014/main" id="{E090DA70-E83F-FCE2-8C17-9D0CAAB8D09C}"/>
+                <a16:creationId xmlns:a16="http://schemas.microsoft.com/office/drawing/2014/main" id="{28473D40-6348-9EE0-1FD0-875FFE462B15}"/>
               </a:ext>
             </a:extLst>
           </p:cNvPr>
@@ -2062,7 +2062,7 @@
           <a:bodyPr/>
           <a:lstStyle/>
           <a:p>
-            <a:fld id="{52A2A4E7-8071-4A2C-83C9-C0511E8EE86E}" type="datetimeFigureOut">
+            <a:fld id="{A370057D-9398-46B6-AD52-2ADB8A33E853}" type="datetimeFigureOut">
               <a:rPr lang="zh-CN" altLang="en-US" smtClean="0"/>
               <a:t>2024/3/10</a:t>
             </a:fld>
@@ -2075,7 +2075,7 @@
           <p:cNvPr id="3" name="页脚占位符 2">
             <a:extLst>
               <a:ext uri="{FF2B5EF4-FFF2-40B4-BE49-F238E27FC236}">
-                <a16:creationId xmlns:a16="http://schemas.microsoft.com/office/drawing/2014/main" id="{A40C1AC6-1E7A-3E15-BAFE-02A81C0109FE}"/>
+                <a16:creationId xmlns:a16="http://schemas.microsoft.com/office/drawing/2014/main" id="{B73F33C8-CAED-DBA4-9178-ACC2CAD06697}"/>
               </a:ext>
             </a:extLst>
           </p:cNvPr>
@@ -2100,7 +2100,7 @@
           <p:cNvPr id="4" name="灯片编号占位符 3">
             <a:extLst>
               <a:ext uri="{FF2B5EF4-FFF2-40B4-BE49-F238E27FC236}">
-                <a16:creationId xmlns:a16="http://schemas.microsoft.com/office/drawing/2014/main" id="{F832F58B-AFFD-A4C9-F68E-A0D44804B215}"/>
+                <a16:creationId xmlns:a16="http://schemas.microsoft.com/office/drawing/2014/main" id="{9A192C67-785C-E71A-7C44-188D1D96E23C}"/>
               </a:ext>
             </a:extLst>
           </p:cNvPr>
@@ -2116,7 +2116,7 @@
           <a:bodyPr/>
           <a:lstStyle/>
           <a:p>
-            <a:fld id="{DF38496F-BA55-405B-A924-3450160D66DF}" type="slidenum">
+            <a:fld id="{00CECE2A-A40A-4F64-850F-9C6FFA376543}" type="slidenum">
               <a:rPr lang="zh-CN" altLang="en-US" smtClean="0"/>
               <a:t>‹#›</a:t>
             </a:fld>
@@ -2127,7 +2127,7 @@
     </p:spTree>
     <p:extLst>
       <p:ext uri="{BB962C8B-B14F-4D97-AF65-F5344CB8AC3E}">
-        <p14:creationId xmlns:p14="http://schemas.microsoft.com/office/powerpoint/2010/main" val="383541024"/>
+        <p14:creationId xmlns:p14="http://schemas.microsoft.com/office/powerpoint/2010/main" val="718559605"/>
       </p:ext>
     </p:extLst>
   </p:cSld>
@@ -2159,7 +2159,7 @@
           <p:cNvPr id="2" name="标题 1">
             <a:extLst>
               <a:ext uri="{FF2B5EF4-FFF2-40B4-BE49-F238E27FC236}">
-                <a16:creationId xmlns:a16="http://schemas.microsoft.com/office/drawing/2014/main" id="{679EA093-CF53-5E71-98C3-13256C24F2B7}"/>
+                <a16:creationId xmlns:a16="http://schemas.microsoft.com/office/drawing/2014/main" id="{A178A70E-1F4E-B9A7-E364-ADC91DA01B63}"/>
               </a:ext>
             </a:extLst>
           </p:cNvPr>
@@ -2196,7 +2196,7 @@
           <p:cNvPr id="3" name="内容占位符 2">
             <a:extLst>
               <a:ext uri="{FF2B5EF4-FFF2-40B4-BE49-F238E27FC236}">
-                <a16:creationId xmlns:a16="http://schemas.microsoft.com/office/drawing/2014/main" id="{3E88F3E2-AC50-DEB7-DE21-2F1F0FF093BC}"/>
+                <a16:creationId xmlns:a16="http://schemas.microsoft.com/office/drawing/2014/main" id="{55B367EC-B14F-1EEC-77A8-91F9F8CF07D4}"/>
               </a:ext>
             </a:extLst>
           </p:cNvPr>
@@ -2286,7 +2286,7 @@
           <p:cNvPr id="4" name="文本占位符 3">
             <a:extLst>
               <a:ext uri="{FF2B5EF4-FFF2-40B4-BE49-F238E27FC236}">
-                <a16:creationId xmlns:a16="http://schemas.microsoft.com/office/drawing/2014/main" id="{5F0C020D-9F12-BD70-BE98-0BF47E718BE6}"/>
+                <a16:creationId xmlns:a16="http://schemas.microsoft.com/office/drawing/2014/main" id="{33825FEB-61F5-2880-B49A-D72E21162AA6}"/>
               </a:ext>
             </a:extLst>
           </p:cNvPr>
@@ -2357,7 +2357,7 @@
           <p:cNvPr id="5" name="日期占位符 4">
             <a:extLst>
               <a:ext uri="{FF2B5EF4-FFF2-40B4-BE49-F238E27FC236}">
-                <a16:creationId xmlns:a16="http://schemas.microsoft.com/office/drawing/2014/main" id="{44CB22B3-4080-85ED-B39D-50CFCE9AB381}"/>
+                <a16:creationId xmlns:a16="http://schemas.microsoft.com/office/drawing/2014/main" id="{148081BA-BF2F-59EB-BEAD-242C523DDED0}"/>
               </a:ext>
             </a:extLst>
           </p:cNvPr>
@@ -2373,7 +2373,7 @@
           <a:bodyPr/>
           <a:lstStyle/>
           <a:p>
-            <a:fld id="{52A2A4E7-8071-4A2C-83C9-C0511E8EE86E}" type="datetimeFigureOut">
+            <a:fld id="{A370057D-9398-46B6-AD52-2ADB8A33E853}" type="datetimeFigureOut">
               <a:rPr lang="zh-CN" altLang="en-US" smtClean="0"/>
               <a:t>2024/3/10</a:t>
             </a:fld>
@@ -2386,7 +2386,7 @@
           <p:cNvPr id="6" name="页脚占位符 5">
             <a:extLst>
               <a:ext uri="{FF2B5EF4-FFF2-40B4-BE49-F238E27FC236}">
-                <a16:creationId xmlns:a16="http://schemas.microsoft.com/office/drawing/2014/main" id="{E5D45B0B-38D8-8EC7-7BF8-95939B308BF3}"/>
+                <a16:creationId xmlns:a16="http://schemas.microsoft.com/office/drawing/2014/main" id="{961D53F2-7487-071A-AA96-99D259A933D0}"/>
               </a:ext>
             </a:extLst>
           </p:cNvPr>
@@ -2411,7 +2411,7 @@
           <p:cNvPr id="7" name="灯片编号占位符 6">
             <a:extLst>
               <a:ext uri="{FF2B5EF4-FFF2-40B4-BE49-F238E27FC236}">
-                <a16:creationId xmlns:a16="http://schemas.microsoft.com/office/drawing/2014/main" id="{9B0FFCA9-7484-F7F2-282F-263428DEC909}"/>
+                <a16:creationId xmlns:a16="http://schemas.microsoft.com/office/drawing/2014/main" id="{84AB235E-A586-1C9D-2D15-61B16E3C3DB7}"/>
               </a:ext>
             </a:extLst>
           </p:cNvPr>
@@ -2427,7 +2427,7 @@
           <a:bodyPr/>
           <a:lstStyle/>
           <a:p>
-            <a:fld id="{DF38496F-BA55-405B-A924-3450160D66DF}" type="slidenum">
+            <a:fld id="{00CECE2A-A40A-4F64-850F-9C6FFA376543}" type="slidenum">
               <a:rPr lang="zh-CN" altLang="en-US" smtClean="0"/>
               <a:t>‹#›</a:t>
             </a:fld>
@@ -2438,7 +2438,7 @@
     </p:spTree>
     <p:extLst>
       <p:ext uri="{BB962C8B-B14F-4D97-AF65-F5344CB8AC3E}">
-        <p14:creationId xmlns:p14="http://schemas.microsoft.com/office/powerpoint/2010/main" val="2217073886"/>
+        <p14:creationId xmlns:p14="http://schemas.microsoft.com/office/powerpoint/2010/main" val="3637063227"/>
       </p:ext>
     </p:extLst>
   </p:cSld>
@@ -2470,7 +2470,7 @@
           <p:cNvPr id="2" name="标题 1">
             <a:extLst>
               <a:ext uri="{FF2B5EF4-FFF2-40B4-BE49-F238E27FC236}">
-                <a16:creationId xmlns:a16="http://schemas.microsoft.com/office/drawing/2014/main" id="{E7E80C85-3218-05F6-5FA4-07F53D74D330}"/>
+                <a16:creationId xmlns:a16="http://schemas.microsoft.com/office/drawing/2014/main" id="{1EE31E8C-136B-6434-8D22-8E4D18B940F8}"/>
               </a:ext>
             </a:extLst>
           </p:cNvPr>
@@ -2507,7 +2507,7 @@
           <p:cNvPr id="3" name="图片占位符 2">
             <a:extLst>
               <a:ext uri="{FF2B5EF4-FFF2-40B4-BE49-F238E27FC236}">
-                <a16:creationId xmlns:a16="http://schemas.microsoft.com/office/drawing/2014/main" id="{C3B4B176-9753-F6D9-7532-9963F6F9A2E0}"/>
+                <a16:creationId xmlns:a16="http://schemas.microsoft.com/office/drawing/2014/main" id="{6D81BB6D-F6B4-17B1-ED99-00914C5D4C9E}"/>
               </a:ext>
             </a:extLst>
           </p:cNvPr>
@@ -2574,7 +2574,7 @@
           <p:cNvPr id="4" name="文本占位符 3">
             <a:extLst>
               <a:ext uri="{FF2B5EF4-FFF2-40B4-BE49-F238E27FC236}">
-                <a16:creationId xmlns:a16="http://schemas.microsoft.com/office/drawing/2014/main" id="{D2D5BE0E-DB88-DF14-74D3-44C0B05B4606}"/>
+                <a16:creationId xmlns:a16="http://schemas.microsoft.com/office/drawing/2014/main" id="{372F2A25-E943-F860-CFC7-02499BEE1735}"/>
               </a:ext>
             </a:extLst>
           </p:cNvPr>
@@ -2645,7 +2645,7 @@
           <p:cNvPr id="5" name="日期占位符 4">
             <a:extLst>
               <a:ext uri="{FF2B5EF4-FFF2-40B4-BE49-F238E27FC236}">
-                <a16:creationId xmlns:a16="http://schemas.microsoft.com/office/drawing/2014/main" id="{B4996ACB-D74E-8317-9AB1-A48CEDC06B17}"/>
+                <a16:creationId xmlns:a16="http://schemas.microsoft.com/office/drawing/2014/main" id="{6E1EAD69-20A8-FA31-8A69-9B0FE73E8C2C}"/>
               </a:ext>
             </a:extLst>
           </p:cNvPr>
@@ -2661,7 +2661,7 @@
           <a:bodyPr/>
           <a:lstStyle/>
           <a:p>
-            <a:fld id="{52A2A4E7-8071-4A2C-83C9-C0511E8EE86E}" type="datetimeFigureOut">
+            <a:fld id="{A370057D-9398-46B6-AD52-2ADB8A33E853}" type="datetimeFigureOut">
               <a:rPr lang="zh-CN" altLang="en-US" smtClean="0"/>
               <a:t>2024/3/10</a:t>
             </a:fld>
@@ -2674,7 +2674,7 @@
           <p:cNvPr id="6" name="页脚占位符 5">
             <a:extLst>
               <a:ext uri="{FF2B5EF4-FFF2-40B4-BE49-F238E27FC236}">
-                <a16:creationId xmlns:a16="http://schemas.microsoft.com/office/drawing/2014/main" id="{3D7E18CD-6745-9DBF-1998-4544E4498C51}"/>
+                <a16:creationId xmlns:a16="http://schemas.microsoft.com/office/drawing/2014/main" id="{56F26517-79AA-0537-C332-98E4251DF9D3}"/>
               </a:ext>
             </a:extLst>
           </p:cNvPr>
@@ -2699,7 +2699,7 @@
           <p:cNvPr id="7" name="灯片编号占位符 6">
             <a:extLst>
               <a:ext uri="{FF2B5EF4-FFF2-40B4-BE49-F238E27FC236}">
-                <a16:creationId xmlns:a16="http://schemas.microsoft.com/office/drawing/2014/main" id="{F0C20B8F-02DF-95EE-49EB-DFED80BC491F}"/>
+                <a16:creationId xmlns:a16="http://schemas.microsoft.com/office/drawing/2014/main" id="{C263C6EF-6E53-5C6E-310A-0749A2E88F77}"/>
               </a:ext>
             </a:extLst>
           </p:cNvPr>
@@ -2715,7 +2715,7 @@
           <a:bodyPr/>
           <a:lstStyle/>
           <a:p>
-            <a:fld id="{DF38496F-BA55-405B-A924-3450160D66DF}" type="slidenum">
+            <a:fld id="{00CECE2A-A40A-4F64-850F-9C6FFA376543}" type="slidenum">
               <a:rPr lang="zh-CN" altLang="en-US" smtClean="0"/>
               <a:t>‹#›</a:t>
             </a:fld>
@@ -2726,7 +2726,7 @@
     </p:spTree>
     <p:extLst>
       <p:ext uri="{BB962C8B-B14F-4D97-AF65-F5344CB8AC3E}">
-        <p14:creationId xmlns:p14="http://schemas.microsoft.com/office/powerpoint/2010/main" val="3841853522"/>
+        <p14:creationId xmlns:p14="http://schemas.microsoft.com/office/powerpoint/2010/main" val="74773038"/>
       </p:ext>
     </p:extLst>
   </p:cSld>
@@ -2763,7 +2763,7 @@
           <p:cNvPr id="2" name="标题占位符 1">
             <a:extLst>
               <a:ext uri="{FF2B5EF4-FFF2-40B4-BE49-F238E27FC236}">
-                <a16:creationId xmlns:a16="http://schemas.microsoft.com/office/drawing/2014/main" id="{411969D4-4DC3-6EAE-7A1A-5128568ECDC8}"/>
+                <a16:creationId xmlns:a16="http://schemas.microsoft.com/office/drawing/2014/main" id="{2ADED7BB-CD69-73EB-CCF0-691E03ECD86A}"/>
               </a:ext>
             </a:extLst>
           </p:cNvPr>
@@ -2801,7 +2801,7 @@
           <p:cNvPr id="3" name="文本占位符 2">
             <a:extLst>
               <a:ext uri="{FF2B5EF4-FFF2-40B4-BE49-F238E27FC236}">
-                <a16:creationId xmlns:a16="http://schemas.microsoft.com/office/drawing/2014/main" id="{EBA9B41C-C5C2-627C-34F3-FCACFE4FE48F}"/>
+                <a16:creationId xmlns:a16="http://schemas.microsoft.com/office/drawing/2014/main" id="{C9A856E3-9A69-9F70-8271-E19600444AF2}"/>
               </a:ext>
             </a:extLst>
           </p:cNvPr>
@@ -2868,7 +2868,7 @@
           <p:cNvPr id="4" name="日期占位符 3">
             <a:extLst>
               <a:ext uri="{FF2B5EF4-FFF2-40B4-BE49-F238E27FC236}">
-                <a16:creationId xmlns:a16="http://schemas.microsoft.com/office/drawing/2014/main" id="{C8F46AEB-4E4A-9C70-73EC-44D04338F58C}"/>
+                <a16:creationId xmlns:a16="http://schemas.microsoft.com/office/drawing/2014/main" id="{0D1A9311-B2E8-E02D-7FF6-3A56C27C03F5}"/>
               </a:ext>
             </a:extLst>
           </p:cNvPr>
@@ -2902,7 +2902,7 @@
             </a:lvl1pPr>
           </a:lstStyle>
           <a:p>
-            <a:fld id="{52A2A4E7-8071-4A2C-83C9-C0511E8EE86E}" type="datetimeFigureOut">
+            <a:fld id="{A370057D-9398-46B6-AD52-2ADB8A33E853}" type="datetimeFigureOut">
               <a:rPr lang="zh-CN" altLang="en-US" smtClean="0"/>
               <a:t>2024/3/10</a:t>
             </a:fld>
@@ -2915,7 +2915,7 @@
           <p:cNvPr id="5" name="页脚占位符 4">
             <a:extLst>
               <a:ext uri="{FF2B5EF4-FFF2-40B4-BE49-F238E27FC236}">
-                <a16:creationId xmlns:a16="http://schemas.microsoft.com/office/drawing/2014/main" id="{712AFFB5-B2C7-006A-AE60-2D6AFF6A32B8}"/>
+                <a16:creationId xmlns:a16="http://schemas.microsoft.com/office/drawing/2014/main" id="{5F3E8C93-7036-0CDA-EE93-06A84CF1CFD0}"/>
               </a:ext>
             </a:extLst>
           </p:cNvPr>
@@ -2958,7 +2958,7 @@
           <p:cNvPr id="6" name="灯片编号占位符 5">
             <a:extLst>
               <a:ext uri="{FF2B5EF4-FFF2-40B4-BE49-F238E27FC236}">
-                <a16:creationId xmlns:a16="http://schemas.microsoft.com/office/drawing/2014/main" id="{6351DA91-3E86-22BC-24F3-5A409D7264A7}"/>
+                <a16:creationId xmlns:a16="http://schemas.microsoft.com/office/drawing/2014/main" id="{56C17934-5D0E-2EEC-99EC-25FD6A462737}"/>
               </a:ext>
             </a:extLst>
           </p:cNvPr>
@@ -2992,7 +2992,7 @@
             </a:lvl1pPr>
           </a:lstStyle>
           <a:p>
-            <a:fld id="{DF38496F-BA55-405B-A924-3450160D66DF}" type="slidenum">
+            <a:fld id="{00CECE2A-A40A-4F64-850F-9C6FFA376543}" type="slidenum">
               <a:rPr lang="zh-CN" altLang="en-US" smtClean="0"/>
               <a:t>‹#›</a:t>
             </a:fld>
@@ -3003,7 +3003,7 @@
     </p:spTree>
     <p:extLst>
       <p:ext uri="{BB962C8B-B14F-4D97-AF65-F5344CB8AC3E}">
-        <p14:creationId xmlns:p14="http://schemas.microsoft.com/office/powerpoint/2010/main" val="1303237946"/>
+        <p14:creationId xmlns:p14="http://schemas.microsoft.com/office/powerpoint/2010/main" val="2019344446"/>
       </p:ext>
     </p:extLst>
   </p:cSld>
@@ -3323,7 +3323,7 @@
       </p:grpSpPr>
       <p:pic>
         <p:nvPicPr>
-          <p:cNvPr id="587778" name="Picture 2" descr="573"/>
+          <p:cNvPr id="588802" name="Picture 2" descr="574"/>
           <p:cNvPicPr>
             <a:picLocks noChangeAspect="1" noChangeArrowheads="1"/>
           </p:cNvPicPr>
@@ -3375,392 +3375,11 @@
           </a:extLst>
         </p:spPr>
       </p:pic>
-      <p:pic>
-        <p:nvPicPr>
-          <p:cNvPr id="588803" name="Picture 3" descr="573-2"/>
-          <p:cNvPicPr>
-            <a:picLocks noChangeAspect="1" noChangeArrowheads="1"/>
-          </p:cNvPicPr>
-          <p:nvPr/>
-        </p:nvPicPr>
-        <p:blipFill>
-          <a:blip r:embed="rId3">
-            <a:extLst>
-              <a:ext uri="{28A0092B-C50C-407E-A947-70E740481C1C}">
-                <a14:useLocalDpi xmlns:a14="http://schemas.microsoft.com/office/drawing/2010/main" val="0"/>
-              </a:ext>
-            </a:extLst>
-          </a:blip>
-          <a:srcRect/>
-          <a:stretch>
-            <a:fillRect/>
-          </a:stretch>
-        </p:blipFill>
-        <p:spPr bwMode="auto">
-          <a:xfrm>
-            <a:off x="1501776" y="0"/>
-            <a:ext cx="9129713" cy="6858000"/>
-          </a:xfrm>
-          <a:prstGeom prst="rect">
-            <a:avLst/>
-          </a:prstGeom>
-          <a:noFill/>
-          <a:ln>
-            <a:noFill/>
-          </a:ln>
-          <a:effectLst/>
-          <a:extLst>
-            <a:ext uri="{909E8E84-426E-40DD-AFC4-6F175D3DCCD1}">
-              <a14:hiddenFill xmlns:a14="http://schemas.microsoft.com/office/drawing/2010/main">
-                <a:solidFill>
-                  <a:srgbClr val="FFFFFF"/>
-                </a:solidFill>
-              </a14:hiddenFill>
-            </a:ext>
-            <a:ext uri="{91240B29-F687-4F45-9708-019B960494DF}">
-              <a14:hiddenLine xmlns:a14="http://schemas.microsoft.com/office/drawing/2010/main" w="9525">
-                <a:solidFill>
-                  <a:srgbClr val="000000"/>
-                </a:solidFill>
-                <a:miter lim="800000"/>
-                <a:headEnd/>
-                <a:tailEnd/>
-              </a14:hiddenLine>
-            </a:ext>
-            <a:ext uri="{AF507438-7753-43E0-B8FC-AC1667EBCBE1}">
-              <a14:hiddenEffects xmlns:a14="http://schemas.microsoft.com/office/drawing/2010/main">
-                <a:effectLst>
-                  <a:outerShdw dist="35921" dir="2700000" algn="ctr" rotWithShape="0">
-                    <a:srgbClr val="808080"/>
-                  </a:outerShdw>
-                </a:effectLst>
-              </a14:hiddenEffects>
-            </a:ext>
-          </a:extLst>
-        </p:spPr>
-      </p:pic>
-      <p:pic>
-        <p:nvPicPr>
-          <p:cNvPr id="588804" name="Picture 4" descr="573-3"/>
-          <p:cNvPicPr>
-            <a:picLocks noChangeAspect="1" noChangeArrowheads="1"/>
-          </p:cNvPicPr>
-          <p:nvPr/>
-        </p:nvPicPr>
-        <p:blipFill>
-          <a:blip r:embed="rId4">
-            <a:extLst>
-              <a:ext uri="{28A0092B-C50C-407E-A947-70E740481C1C}">
-                <a14:useLocalDpi xmlns:a14="http://schemas.microsoft.com/office/drawing/2010/main" val="0"/>
-              </a:ext>
-            </a:extLst>
-          </a:blip>
-          <a:srcRect/>
-          <a:stretch>
-            <a:fillRect/>
-          </a:stretch>
-        </p:blipFill>
-        <p:spPr bwMode="auto">
-          <a:xfrm>
-            <a:off x="1501776" y="0"/>
-            <a:ext cx="9129713" cy="6858000"/>
-          </a:xfrm>
-          <a:prstGeom prst="rect">
-            <a:avLst/>
-          </a:prstGeom>
-          <a:noFill/>
-          <a:ln>
-            <a:noFill/>
-          </a:ln>
-          <a:effectLst/>
-          <a:extLst>
-            <a:ext uri="{909E8E84-426E-40DD-AFC4-6F175D3DCCD1}">
-              <a14:hiddenFill xmlns:a14="http://schemas.microsoft.com/office/drawing/2010/main">
-                <a:solidFill>
-                  <a:srgbClr val="FFFFFF"/>
-                </a:solidFill>
-              </a14:hiddenFill>
-            </a:ext>
-            <a:ext uri="{91240B29-F687-4F45-9708-019B960494DF}">
-              <a14:hiddenLine xmlns:a14="http://schemas.microsoft.com/office/drawing/2010/main" w="9525">
-                <a:solidFill>
-                  <a:srgbClr val="000000"/>
-                </a:solidFill>
-                <a:miter lim="800000"/>
-                <a:headEnd/>
-                <a:tailEnd/>
-              </a14:hiddenLine>
-            </a:ext>
-            <a:ext uri="{AF507438-7753-43E0-B8FC-AC1667EBCBE1}">
-              <a14:hiddenEffects xmlns:a14="http://schemas.microsoft.com/office/drawing/2010/main">
-                <a:effectLst>
-                  <a:outerShdw dist="35921" dir="2700000" algn="ctr" rotWithShape="0">
-                    <a:srgbClr val="808080"/>
-                  </a:outerShdw>
-                </a:effectLst>
-              </a14:hiddenEffects>
-            </a:ext>
-          </a:extLst>
-        </p:spPr>
-      </p:pic>
-      <p:pic>
-        <p:nvPicPr>
-          <p:cNvPr id="588805" name="Picture 5" descr="573-4"/>
-          <p:cNvPicPr>
-            <a:picLocks noChangeAspect="1" noChangeArrowheads="1"/>
-          </p:cNvPicPr>
-          <p:nvPr/>
-        </p:nvPicPr>
-        <p:blipFill>
-          <a:blip r:embed="rId5">
-            <a:extLst>
-              <a:ext uri="{28A0092B-C50C-407E-A947-70E740481C1C}">
-                <a14:useLocalDpi xmlns:a14="http://schemas.microsoft.com/office/drawing/2010/main" val="0"/>
-              </a:ext>
-            </a:extLst>
-          </a:blip>
-          <a:srcRect/>
-          <a:stretch>
-            <a:fillRect/>
-          </a:stretch>
-        </p:blipFill>
-        <p:spPr bwMode="auto">
-          <a:xfrm>
-            <a:off x="1501776" y="0"/>
-            <a:ext cx="9129713" cy="6858000"/>
-          </a:xfrm>
-          <a:prstGeom prst="rect">
-            <a:avLst/>
-          </a:prstGeom>
-          <a:noFill/>
-          <a:ln>
-            <a:noFill/>
-          </a:ln>
-          <a:effectLst/>
-          <a:extLst>
-            <a:ext uri="{909E8E84-426E-40DD-AFC4-6F175D3DCCD1}">
-              <a14:hiddenFill xmlns:a14="http://schemas.microsoft.com/office/drawing/2010/main">
-                <a:solidFill>
-                  <a:srgbClr val="FFFFFF"/>
-                </a:solidFill>
-              </a14:hiddenFill>
-            </a:ext>
-            <a:ext uri="{91240B29-F687-4F45-9708-019B960494DF}">
-              <a14:hiddenLine xmlns:a14="http://schemas.microsoft.com/office/drawing/2010/main" w="9525">
-                <a:solidFill>
-                  <a:srgbClr val="000000"/>
-                </a:solidFill>
-                <a:miter lim="800000"/>
-                <a:headEnd/>
-                <a:tailEnd/>
-              </a14:hiddenLine>
-            </a:ext>
-            <a:ext uri="{AF507438-7753-43E0-B8FC-AC1667EBCBE1}">
-              <a14:hiddenEffects xmlns:a14="http://schemas.microsoft.com/office/drawing/2010/main">
-                <a:effectLst>
-                  <a:outerShdw dist="35921" dir="2700000" algn="ctr" rotWithShape="0">
-                    <a:srgbClr val="808080"/>
-                  </a:outerShdw>
-                </a:effectLst>
-              </a14:hiddenEffects>
-            </a:ext>
-          </a:extLst>
-        </p:spPr>
-      </p:pic>
     </p:spTree>
   </p:cSld>
   <p:clrMapOvr>
     <a:masterClrMapping/>
   </p:clrMapOvr>
-  <p:timing>
-    <p:tnLst>
-      <p:par>
-        <p:cTn id="1" dur="indefinite" restart="never" nodeType="tmRoot">
-          <p:childTnLst>
-            <p:seq concurrent="1" nextAc="seek">
-              <p:cTn id="2" dur="indefinite" nodeType="mainSeq">
-                <p:childTnLst>
-                  <p:par>
-                    <p:cTn id="3" fill="hold" nodeType="clickPar">
-                      <p:stCondLst>
-                        <p:cond delay="indefinite"/>
-                      </p:stCondLst>
-                      <p:childTnLst>
-                        <p:par>
-                          <p:cTn id="4" fill="hold" nodeType="withGroup">
-                            <p:stCondLst>
-                              <p:cond delay="0"/>
-                            </p:stCondLst>
-                            <p:childTnLst>
-                              <p:par>
-                                <p:cTn id="5" presetID="10" presetClass="entr" presetSubtype="0" fill="hold" nodeType="clickEffect">
-                                  <p:stCondLst>
-                                    <p:cond delay="0"/>
-                                  </p:stCondLst>
-                                  <p:childTnLst>
-                                    <p:set>
-                                      <p:cBhvr>
-                                        <p:cTn id="6" dur="1" fill="hold">
-                                          <p:stCondLst>
-                                            <p:cond delay="0"/>
-                                          </p:stCondLst>
-                                        </p:cTn>
-                                        <p:tgtEl>
-                                          <p:spTgt spid="588803"/>
-                                        </p:tgtEl>
-                                        <p:attrNameLst>
-                                          <p:attrName>style.visibility</p:attrName>
-                                        </p:attrNameLst>
-                                      </p:cBhvr>
-                                      <p:to>
-                                        <p:strVal val="visible"/>
-                                      </p:to>
-                                    </p:set>
-                                    <p:animEffect transition="in" filter="fade">
-                                      <p:cBhvr>
-                                        <p:cTn id="7" dur="500"/>
-                                        <p:tgtEl>
-                                          <p:spTgt spid="588803"/>
-                                        </p:tgtEl>
-                                      </p:cBhvr>
-                                    </p:animEffect>
-                                  </p:childTnLst>
-                                </p:cTn>
-                              </p:par>
-                            </p:childTnLst>
-                          </p:cTn>
-                        </p:par>
-                      </p:childTnLst>
-                    </p:cTn>
-                  </p:par>
-                  <p:par>
-                    <p:cTn id="8" fill="hold" nodeType="clickPar">
-                      <p:stCondLst>
-                        <p:cond delay="indefinite"/>
-                      </p:stCondLst>
-                      <p:childTnLst>
-                        <p:par>
-                          <p:cTn id="9" fill="hold" nodeType="withGroup">
-                            <p:stCondLst>
-                              <p:cond delay="0"/>
-                            </p:stCondLst>
-                            <p:childTnLst>
-                              <p:par>
-                                <p:cTn id="10" presetID="10" presetClass="entr" presetSubtype="0" fill="hold" nodeType="clickEffect">
-                                  <p:stCondLst>
-                                    <p:cond delay="0"/>
-                                  </p:stCondLst>
-                                  <p:childTnLst>
-                                    <p:set>
-                                      <p:cBhvr>
-                                        <p:cTn id="11" dur="1" fill="hold">
-                                          <p:stCondLst>
-                                            <p:cond delay="0"/>
-                                          </p:stCondLst>
-                                        </p:cTn>
-                                        <p:tgtEl>
-                                          <p:spTgt spid="588804"/>
-                                        </p:tgtEl>
-                                        <p:attrNameLst>
-                                          <p:attrName>style.visibility</p:attrName>
-                                        </p:attrNameLst>
-                                      </p:cBhvr>
-                                      <p:to>
-                                        <p:strVal val="visible"/>
-                                      </p:to>
-                                    </p:set>
-                                    <p:animEffect transition="in" filter="fade">
-                                      <p:cBhvr>
-                                        <p:cTn id="12" dur="500"/>
-                                        <p:tgtEl>
-                                          <p:spTgt spid="588804"/>
-                                        </p:tgtEl>
-                                      </p:cBhvr>
-                                    </p:animEffect>
-                                  </p:childTnLst>
-                                </p:cTn>
-                              </p:par>
-                            </p:childTnLst>
-                          </p:cTn>
-                        </p:par>
-                      </p:childTnLst>
-                    </p:cTn>
-                  </p:par>
-                  <p:par>
-                    <p:cTn id="13" fill="hold" nodeType="clickPar">
-                      <p:stCondLst>
-                        <p:cond delay="indefinite"/>
-                      </p:stCondLst>
-                      <p:childTnLst>
-                        <p:par>
-                          <p:cTn id="14" fill="hold" nodeType="withGroup">
-                            <p:stCondLst>
-                              <p:cond delay="0"/>
-                            </p:stCondLst>
-                            <p:childTnLst>
-                              <p:par>
-                                <p:cTn id="15" presetID="10" presetClass="entr" presetSubtype="0" fill="hold" nodeType="clickEffect">
-                                  <p:stCondLst>
-                                    <p:cond delay="0"/>
-                                  </p:stCondLst>
-                                  <p:childTnLst>
-                                    <p:set>
-                                      <p:cBhvr>
-                                        <p:cTn id="16" dur="1" fill="hold">
-                                          <p:stCondLst>
-                                            <p:cond delay="0"/>
-                                          </p:stCondLst>
-                                        </p:cTn>
-                                        <p:tgtEl>
-                                          <p:spTgt spid="588805"/>
-                                        </p:tgtEl>
-                                        <p:attrNameLst>
-                                          <p:attrName>style.visibility</p:attrName>
-                                        </p:attrNameLst>
-                                      </p:cBhvr>
-                                      <p:to>
-                                        <p:strVal val="visible"/>
-                                      </p:to>
-                                    </p:set>
-                                    <p:animEffect transition="in" filter="fade">
-                                      <p:cBhvr>
-                                        <p:cTn id="17" dur="500"/>
-                                        <p:tgtEl>
-                                          <p:spTgt spid="588805"/>
-                                        </p:tgtEl>
-                                      </p:cBhvr>
-                                    </p:animEffect>
-                                  </p:childTnLst>
-                                </p:cTn>
-                              </p:par>
-                            </p:childTnLst>
-                          </p:cTn>
-                        </p:par>
-                      </p:childTnLst>
-                    </p:cTn>
-                  </p:par>
-                </p:childTnLst>
-              </p:cTn>
-              <p:prevCondLst>
-                <p:cond evt="onPrev" delay="0">
-                  <p:tgtEl>
-                    <p:sldTgt/>
-                  </p:tgtEl>
-                </p:cond>
-              </p:prevCondLst>
-              <p:nextCondLst>
-                <p:cond evt="onNext" delay="0">
-                  <p:tgtEl>
-                    <p:sldTgt/>
-                  </p:tgtEl>
-                </p:cond>
-              </p:nextCondLst>
-            </p:seq>
-          </p:childTnLst>
-        </p:cTn>
-      </p:par>
-    </p:tnLst>
-  </p:timing>
 </p:sld>
 </file>
 
